--- a/中越詩歌/人生的福_Phước hạnh của cuộc đời.pptx
+++ b/中越詩歌/人生的福_Phước hạnh của cuộc đời.pptx
@@ -309,7 +309,7 @@
           <a:p>
             <a:fld id="{4708DAAA-A60A-4649-A77A-7F12CC5C96A6}" type="datetimeFigureOut">
               <a:rPr lang="vi-VN" smtClean="0"/>
-              <a:t>07/10/2022</a:t>
+              <a:t>14/10/2022</a:t>
             </a:fld>
             <a:endParaRPr lang="vi-VN"/>
           </a:p>
@@ -479,7 +479,7 @@
           <a:p>
             <a:fld id="{4708DAAA-A60A-4649-A77A-7F12CC5C96A6}" type="datetimeFigureOut">
               <a:rPr lang="vi-VN" smtClean="0"/>
-              <a:t>07/10/2022</a:t>
+              <a:t>14/10/2022</a:t>
             </a:fld>
             <a:endParaRPr lang="vi-VN"/>
           </a:p>
@@ -659,7 +659,7 @@
           <a:p>
             <a:fld id="{4708DAAA-A60A-4649-A77A-7F12CC5C96A6}" type="datetimeFigureOut">
               <a:rPr lang="vi-VN" smtClean="0"/>
-              <a:t>07/10/2022</a:t>
+              <a:t>14/10/2022</a:t>
             </a:fld>
             <a:endParaRPr lang="vi-VN"/>
           </a:p>
@@ -829,7 +829,7 @@
           <a:p>
             <a:fld id="{4708DAAA-A60A-4649-A77A-7F12CC5C96A6}" type="datetimeFigureOut">
               <a:rPr lang="vi-VN" smtClean="0"/>
-              <a:t>07/10/2022</a:t>
+              <a:t>14/10/2022</a:t>
             </a:fld>
             <a:endParaRPr lang="vi-VN"/>
           </a:p>
@@ -1075,7 +1075,7 @@
           <a:p>
             <a:fld id="{4708DAAA-A60A-4649-A77A-7F12CC5C96A6}" type="datetimeFigureOut">
               <a:rPr lang="vi-VN" smtClean="0"/>
-              <a:t>07/10/2022</a:t>
+              <a:t>14/10/2022</a:t>
             </a:fld>
             <a:endParaRPr lang="vi-VN"/>
           </a:p>
@@ -1363,7 +1363,7 @@
           <a:p>
             <a:fld id="{4708DAAA-A60A-4649-A77A-7F12CC5C96A6}" type="datetimeFigureOut">
               <a:rPr lang="vi-VN" smtClean="0"/>
-              <a:t>07/10/2022</a:t>
+              <a:t>14/10/2022</a:t>
             </a:fld>
             <a:endParaRPr lang="vi-VN"/>
           </a:p>
@@ -1785,7 +1785,7 @@
           <a:p>
             <a:fld id="{4708DAAA-A60A-4649-A77A-7F12CC5C96A6}" type="datetimeFigureOut">
               <a:rPr lang="vi-VN" smtClean="0"/>
-              <a:t>07/10/2022</a:t>
+              <a:t>14/10/2022</a:t>
             </a:fld>
             <a:endParaRPr lang="vi-VN"/>
           </a:p>
@@ -1903,7 +1903,7 @@
           <a:p>
             <a:fld id="{4708DAAA-A60A-4649-A77A-7F12CC5C96A6}" type="datetimeFigureOut">
               <a:rPr lang="vi-VN" smtClean="0"/>
-              <a:t>07/10/2022</a:t>
+              <a:t>14/10/2022</a:t>
             </a:fld>
             <a:endParaRPr lang="vi-VN"/>
           </a:p>
@@ -1998,7 +1998,7 @@
           <a:p>
             <a:fld id="{4708DAAA-A60A-4649-A77A-7F12CC5C96A6}" type="datetimeFigureOut">
               <a:rPr lang="vi-VN" smtClean="0"/>
-              <a:t>07/10/2022</a:t>
+              <a:t>14/10/2022</a:t>
             </a:fld>
             <a:endParaRPr lang="vi-VN"/>
           </a:p>
@@ -2275,7 +2275,7 @@
           <a:p>
             <a:fld id="{4708DAAA-A60A-4649-A77A-7F12CC5C96A6}" type="datetimeFigureOut">
               <a:rPr lang="vi-VN" smtClean="0"/>
-              <a:t>07/10/2022</a:t>
+              <a:t>14/10/2022</a:t>
             </a:fld>
             <a:endParaRPr lang="vi-VN"/>
           </a:p>
@@ -2532,7 +2532,7 @@
           <a:p>
             <a:fld id="{4708DAAA-A60A-4649-A77A-7F12CC5C96A6}" type="datetimeFigureOut">
               <a:rPr lang="vi-VN" smtClean="0"/>
-              <a:t>07/10/2022</a:t>
+              <a:t>14/10/2022</a:t>
             </a:fld>
             <a:endParaRPr lang="vi-VN"/>
           </a:p>
@@ -2750,7 +2750,7 @@
           <a:p>
             <a:fld id="{4708DAAA-A60A-4649-A77A-7F12CC5C96A6}" type="datetimeFigureOut">
               <a:rPr lang="vi-VN" smtClean="0"/>
-              <a:t>07/10/2022</a:t>
+              <a:t>14/10/2022</a:t>
             </a:fld>
             <a:endParaRPr lang="vi-VN"/>
           </a:p>
@@ -4412,7 +4412,47 @@
                 <a:latin typeface="微軟正黑體" pitchFamily="34" charset="-120"/>
                 <a:ea typeface="微軟正黑體" pitchFamily="34" charset="-120"/>
               </a:rPr>
-              <a:t>勝過人生一切的福</a:t>
+              <a:t>勝</a:t>
+            </a:r>
+            <a:r>
+              <a:rPr lang="zh-TW" altLang="en-US" sz="6400" b="1" dirty="0" smtClean="0">
+                <a:solidFill>
+                  <a:srgbClr val="000066"/>
+                </a:solidFill>
+                <a:latin typeface="微軟正黑體" pitchFamily="34" charset="-120"/>
+                <a:ea typeface="微軟正黑體" pitchFamily="34" charset="-120"/>
+              </a:rPr>
+              <a:t>過</a:t>
+            </a:r>
+            <a:r>
+              <a:rPr lang="zh-CN" altLang="en-US" sz="6400" b="1" smtClean="0">
+                <a:solidFill>
+                  <a:srgbClr val="000066"/>
+                </a:solidFill>
+                <a:latin typeface="微軟正黑體" pitchFamily="34" charset="-120"/>
+                <a:ea typeface="微軟正黑體" pitchFamily="34" charset="-120"/>
+              </a:rPr>
+              <a:t>你</a:t>
+            </a:r>
+            <a:r>
+              <a:rPr lang="zh-TW" altLang="en-US" sz="6400" b="1" smtClean="0">
+                <a:solidFill>
+                  <a:srgbClr val="000066"/>
+                </a:solidFill>
+                <a:latin typeface="微軟正黑體" pitchFamily="34" charset="-120"/>
+                <a:ea typeface="微軟正黑體" pitchFamily="34" charset="-120"/>
+              </a:rPr>
+              <a:t>人</a:t>
+            </a:r>
+            <a:r>
+              <a:rPr lang="zh-TW" altLang="en-US" sz="6400" b="1" dirty="0">
+                <a:solidFill>
+                  <a:srgbClr val="000066"/>
+                </a:solidFill>
+                <a:latin typeface="微軟正黑體" pitchFamily="34" charset="-120"/>
+                <a:ea typeface="微軟正黑體" pitchFamily="34" charset="-120"/>
+              </a:rPr>
+              <a:t>生一切的福</a:t>
             </a:r>
             <a:endParaRPr lang="en-US" altLang="zh-CN" sz="6400" b="1" dirty="0">
               <a:solidFill>
@@ -5085,18 +5125,7 @@
                 <a:ea typeface="微軟正黑體" pitchFamily="34" charset="-120"/>
                 <a:cs typeface="Calibri" panose="020F0502020204030204" pitchFamily="34" charset="0"/>
               </a:rPr>
-              <a:t>L</a:t>
-            </a:r>
-            <a:r>
-              <a:rPr lang="en-US" sz="4000" b="1" dirty="0" err="1">
-                <a:solidFill>
-                  <a:srgbClr val="660033"/>
-                </a:solidFill>
-                <a:latin typeface="Calibri" panose="020F0502020204030204" pitchFamily="34" charset="0"/>
-                <a:ea typeface="微軟正黑體" pitchFamily="34" charset="-120"/>
-                <a:cs typeface="Calibri" panose="020F0502020204030204" pitchFamily="34" charset="0"/>
-              </a:rPr>
-              <a:t>à</a:t>
+              <a:t>Là</a:t>
             </a:r>
             <a:r>
               <a:rPr lang="en-US" sz="4000" b="1" dirty="0">
@@ -6320,27 +6349,7 @@
                 <a:latin typeface="微軟正黑體" pitchFamily="34" charset="-120"/>
                 <a:ea typeface="微軟正黑體" pitchFamily="34" charset="-120"/>
               </a:rPr>
-              <a:t>跟隨祂腳</a:t>
-            </a:r>
-            <a:r>
-              <a:rPr lang="zh-TW" altLang="en-US" sz="6400" b="1" dirty="0">
-                <a:solidFill>
-                  <a:srgbClr val="000066"/>
-                </a:solidFill>
-                <a:latin typeface="微軟正黑體" pitchFamily="34" charset="-120"/>
-                <a:ea typeface="微軟正黑體" pitchFamily="34" charset="-120"/>
-              </a:rPr>
-              <a:t>步  永</a:t>
-            </a:r>
-            <a:r>
-              <a:rPr lang="zh-TW" altLang="en-US" sz="6400" b="1" dirty="0">
-                <a:solidFill>
-                  <a:srgbClr val="000066"/>
-                </a:solidFill>
-                <a:latin typeface="微軟正黑體" pitchFamily="34" charset="-120"/>
-                <a:ea typeface="微軟正黑體" pitchFamily="34" charset="-120"/>
-              </a:rPr>
-              <a:t>遠有福</a:t>
+              <a:t>跟隨祂腳步  永遠有福</a:t>
             </a:r>
             <a:endParaRPr lang="en-US" altLang="zh-CN" sz="6400" b="1" dirty="0">
               <a:solidFill>
@@ -8190,14 +8199,6 @@
               </a:rPr>
               <a:t>?</a:t>
             </a:r>
-            <a:endParaRPr lang="en-US" sz="4000" b="1" dirty="0">
-              <a:solidFill>
-                <a:srgbClr val="660033"/>
-              </a:solidFill>
-              <a:latin typeface="Calibri" panose="020F0502020204030204" pitchFamily="34" charset="0"/>
-              <a:ea typeface="微軟正黑體" pitchFamily="34" charset="-120"/>
-              <a:cs typeface="Calibri" panose="020F0502020204030204" pitchFamily="34" charset="0"/>
-            </a:endParaRPr>
           </a:p>
         </p:txBody>
       </p:sp>
@@ -9034,18 +9035,7 @@
                 <a:ea typeface="微軟正黑體" pitchFamily="34" charset="-120"/>
                 <a:cs typeface="Calibri" panose="020F0502020204030204" pitchFamily="34" charset="0"/>
               </a:rPr>
-              <a:t>Đ</a:t>
-            </a:r>
-            <a:r>
-              <a:rPr lang="en-US" sz="4000" b="1" dirty="0" err="1">
-                <a:solidFill>
-                  <a:srgbClr val="660033"/>
-                </a:solidFill>
-                <a:latin typeface="Calibri" panose="020F0502020204030204" pitchFamily="34" charset="0"/>
-                <a:ea typeface="微軟正黑體" pitchFamily="34" charset="-120"/>
-                <a:cs typeface="Calibri" panose="020F0502020204030204" pitchFamily="34" charset="0"/>
-              </a:rPr>
-              <a:t>iều</a:t>
+              <a:t>Điều</a:t>
             </a:r>
             <a:r>
               <a:rPr lang="en-US" sz="4000" b="1" dirty="0">
@@ -10985,7 +10975,18 @@
                 <a:ea typeface="微軟正黑體" pitchFamily="34" charset="-120"/>
                 <a:cs typeface="Calibri" panose="020F0502020204030204" pitchFamily="34" charset="0"/>
               </a:rPr>
-              <a:t>Đ</a:t>
+              <a:t>Điều</a:t>
+            </a:r>
+            <a:r>
+              <a:rPr lang="en-US" sz="4000" b="1" dirty="0">
+                <a:solidFill>
+                  <a:srgbClr val="660033"/>
+                </a:solidFill>
+                <a:latin typeface="Calibri" panose="020F0502020204030204" pitchFamily="34" charset="0"/>
+                <a:ea typeface="微軟正黑體" pitchFamily="34" charset="-120"/>
+                <a:cs typeface="Calibri" panose="020F0502020204030204" pitchFamily="34" charset="0"/>
+              </a:rPr>
+              <a:t> </a:t>
             </a:r>
             <a:r>
               <a:rPr lang="en-US" sz="4000" b="1" dirty="0" err="1">
@@ -10996,7 +10997,7 @@
                 <a:ea typeface="微軟正黑體" pitchFamily="34" charset="-120"/>
                 <a:cs typeface="Calibri" panose="020F0502020204030204" pitchFamily="34" charset="0"/>
               </a:rPr>
-              <a:t>iều</a:t>
+              <a:t>nào</a:t>
             </a:r>
             <a:r>
               <a:rPr lang="en-US" sz="4000" b="1" dirty="0">
@@ -11018,7 +11019,7 @@
                 <a:ea typeface="微軟正黑體" pitchFamily="34" charset="-120"/>
                 <a:cs typeface="Calibri" panose="020F0502020204030204" pitchFamily="34" charset="0"/>
               </a:rPr>
-              <a:t>nào</a:t>
+              <a:t>mang</a:t>
             </a:r>
             <a:r>
               <a:rPr lang="en-US" sz="4000" b="1" dirty="0">
@@ -11040,7 +11041,7 @@
                 <a:ea typeface="微軟正黑體" pitchFamily="34" charset="-120"/>
                 <a:cs typeface="Calibri" panose="020F0502020204030204" pitchFamily="34" charset="0"/>
               </a:rPr>
-              <a:t>mang</a:t>
+              <a:t>theo</a:t>
             </a:r>
             <a:r>
               <a:rPr lang="en-US" sz="4000" b="1" dirty="0">
@@ -11062,7 +11063,7 @@
                 <a:ea typeface="微軟正黑體" pitchFamily="34" charset="-120"/>
                 <a:cs typeface="Calibri" panose="020F0502020204030204" pitchFamily="34" charset="0"/>
               </a:rPr>
-              <a:t>theo</a:t>
+              <a:t>được</a:t>
             </a:r>
             <a:r>
               <a:rPr lang="en-US" sz="4000" b="1" dirty="0">
@@ -11073,38 +11074,8 @@
                 <a:ea typeface="微軟正黑體" pitchFamily="34" charset="-120"/>
                 <a:cs typeface="Calibri" panose="020F0502020204030204" pitchFamily="34" charset="0"/>
               </a:rPr>
-              <a:t> </a:t>
-            </a:r>
-            <a:r>
-              <a:rPr lang="en-US" sz="4000" b="1" dirty="0" err="1">
-                <a:solidFill>
-                  <a:srgbClr val="660033"/>
-                </a:solidFill>
-                <a:latin typeface="Calibri" panose="020F0502020204030204" pitchFamily="34" charset="0"/>
-                <a:ea typeface="微軟正黑體" pitchFamily="34" charset="-120"/>
-                <a:cs typeface="Calibri" panose="020F0502020204030204" pitchFamily="34" charset="0"/>
-              </a:rPr>
-              <a:t>được</a:t>
-            </a:r>
-            <a:r>
-              <a:rPr lang="en-US" sz="4000" b="1" dirty="0">
-                <a:solidFill>
-                  <a:srgbClr val="660033"/>
-                </a:solidFill>
-                <a:latin typeface="Calibri" panose="020F0502020204030204" pitchFamily="34" charset="0"/>
-                <a:ea typeface="微軟正黑體" pitchFamily="34" charset="-120"/>
-                <a:cs typeface="Calibri" panose="020F0502020204030204" pitchFamily="34" charset="0"/>
-              </a:rPr>
               <a:t>?</a:t>
             </a:r>
-            <a:endParaRPr lang="en-US" sz="4000" b="1" dirty="0">
-              <a:solidFill>
-                <a:srgbClr val="660033"/>
-              </a:solidFill>
-              <a:latin typeface="Calibri" panose="020F0502020204030204" pitchFamily="34" charset="0"/>
-              <a:ea typeface="微軟正黑體" pitchFamily="34" charset="-120"/>
-              <a:cs typeface="Calibri" panose="020F0502020204030204" pitchFamily="34" charset="0"/>
-            </a:endParaRPr>
           </a:p>
         </p:txBody>
       </p:sp>
